--- a/Produção científica/telasIPS.pptx
+++ b/Produção científica/telasIPS.pptx
@@ -2975,6 +2975,14 @@
 <file path=ppt/slides/slide2.xml><?xml version="1.0" encoding="utf-8"?>
 <p:sld xmlns:a="http://schemas.openxmlformats.org/drawingml/2006/main" xmlns:r="http://schemas.openxmlformats.org/officeDocument/2006/relationships" xmlns:p="http://schemas.openxmlformats.org/presentationml/2006/main">
   <p:cSld>
+    <p:bg>
+      <p:bgPr>
+        <a:solidFill>
+          <a:schemeClr val="bg1"/>
+        </a:solidFill>
+        <a:effectLst/>
+      </p:bgPr>
+    </p:bg>
     <p:spTree>
       <p:nvGrpSpPr>
         <p:cNvPr id="1" name=""/>
@@ -2989,6 +2997,160 @@
           <a:chExt cx="0" cy="0"/>
         </a:xfrm>
       </p:grpSpPr>
+      <p:sp useBgFill="1">
+        <p:nvSpPr>
+          <p:cNvPr id="9" name="Rectangle 8">
+            <a:extLst>
+              <a:ext uri="{FF2B5EF4-FFF2-40B4-BE49-F238E27FC236}">
+                <a16:creationId xmlns:a16="http://schemas.microsoft.com/office/drawing/2014/main" id="{4F7B9026-36AD-42E4-B172-8D68F3A339B4}"/>
+              </a:ext>
+              <a:ext uri="{C183D7F6-B498-43B3-948B-1728B52AA6E4}">
+                <adec:decorative xmlns:adec="http://schemas.microsoft.com/office/drawing/2017/decorative" val="1"/>
+              </a:ext>
+            </a:extLst>
+          </p:cNvPr>
+          <p:cNvSpPr>
+            <a:spLocks noGrp="1" noRot="1" noChangeAspect="1" noMove="1" noResize="1" noEditPoints="1" noAdjustHandles="1" noChangeArrowheads="1" noChangeShapeType="1" noTextEdit="1"/>
+          </p:cNvSpPr>
+          <p:nvPr>
+            <p:extLst>
+              <p:ext uri="{386F3935-93C4-4BCD-93E2-E3B085C9AB24}">
+                <p16:designElem xmlns:p16="http://schemas.microsoft.com/office/powerpoint/2015/main" val="1"/>
+              </p:ext>
+            </p:extLst>
+          </p:nvPr>
+        </p:nvSpPr>
+        <p:spPr bwMode="white">
+          <a:xfrm>
+            <a:off x="1524" y="0"/>
+            <a:ext cx="12188952" cy="6858000"/>
+          </a:xfrm>
+          <a:prstGeom prst="rect">
+            <a:avLst/>
+          </a:prstGeom>
+          <a:ln>
+            <a:noFill/>
+          </a:ln>
+        </p:spPr>
+        <p:style>
+          <a:lnRef idx="2">
+            <a:schemeClr val="accent1">
+              <a:shade val="50000"/>
+            </a:schemeClr>
+          </a:lnRef>
+          <a:fillRef idx="1">
+            <a:schemeClr val="accent1"/>
+          </a:fillRef>
+          <a:effectRef idx="0">
+            <a:schemeClr val="accent1"/>
+          </a:effectRef>
+          <a:fontRef idx="minor">
+            <a:schemeClr val="lt1"/>
+          </a:fontRef>
+        </p:style>
+        <p:txBody>
+          <a:bodyPr rtlCol="0" anchor="ctr"/>
+          <a:lstStyle>
+            <a:defPPr>
+              <a:defRPr lang="en-US"/>
+            </a:defPPr>
+            <a:lvl1pPr marL="0" algn="l" defTabSz="914400" rtl="0" eaLnBrk="1" latinLnBrk="0" hangingPunct="1">
+              <a:defRPr sz="1800" kern="1200">
+                <a:solidFill>
+                  <a:schemeClr val="lt1"/>
+                </a:solidFill>
+                <a:latin typeface="+mn-lt"/>
+                <a:ea typeface="+mn-ea"/>
+                <a:cs typeface="+mn-cs"/>
+              </a:defRPr>
+            </a:lvl1pPr>
+            <a:lvl2pPr marL="457200" algn="l" defTabSz="914400" rtl="0" eaLnBrk="1" latinLnBrk="0" hangingPunct="1">
+              <a:defRPr sz="1800" kern="1200">
+                <a:solidFill>
+                  <a:schemeClr val="lt1"/>
+                </a:solidFill>
+                <a:latin typeface="+mn-lt"/>
+                <a:ea typeface="+mn-ea"/>
+                <a:cs typeface="+mn-cs"/>
+              </a:defRPr>
+            </a:lvl2pPr>
+            <a:lvl3pPr marL="914400" algn="l" defTabSz="914400" rtl="0" eaLnBrk="1" latinLnBrk="0" hangingPunct="1">
+              <a:defRPr sz="1800" kern="1200">
+                <a:solidFill>
+                  <a:schemeClr val="lt1"/>
+                </a:solidFill>
+                <a:latin typeface="+mn-lt"/>
+                <a:ea typeface="+mn-ea"/>
+                <a:cs typeface="+mn-cs"/>
+              </a:defRPr>
+            </a:lvl3pPr>
+            <a:lvl4pPr marL="1371600" algn="l" defTabSz="914400" rtl="0" eaLnBrk="1" latinLnBrk="0" hangingPunct="1">
+              <a:defRPr sz="1800" kern="1200">
+                <a:solidFill>
+                  <a:schemeClr val="lt1"/>
+                </a:solidFill>
+                <a:latin typeface="+mn-lt"/>
+                <a:ea typeface="+mn-ea"/>
+                <a:cs typeface="+mn-cs"/>
+              </a:defRPr>
+            </a:lvl4pPr>
+            <a:lvl5pPr marL="1828800" algn="l" defTabSz="914400" rtl="0" eaLnBrk="1" latinLnBrk="0" hangingPunct="1">
+              <a:defRPr sz="1800" kern="1200">
+                <a:solidFill>
+                  <a:schemeClr val="lt1"/>
+                </a:solidFill>
+                <a:latin typeface="+mn-lt"/>
+                <a:ea typeface="+mn-ea"/>
+                <a:cs typeface="+mn-cs"/>
+              </a:defRPr>
+            </a:lvl5pPr>
+            <a:lvl6pPr marL="2286000" algn="l" defTabSz="914400" rtl="0" eaLnBrk="1" latinLnBrk="0" hangingPunct="1">
+              <a:defRPr sz="1800" kern="1200">
+                <a:solidFill>
+                  <a:schemeClr val="lt1"/>
+                </a:solidFill>
+                <a:latin typeface="+mn-lt"/>
+                <a:ea typeface="+mn-ea"/>
+                <a:cs typeface="+mn-cs"/>
+              </a:defRPr>
+            </a:lvl6pPr>
+            <a:lvl7pPr marL="2743200" algn="l" defTabSz="914400" rtl="0" eaLnBrk="1" latinLnBrk="0" hangingPunct="1">
+              <a:defRPr sz="1800" kern="1200">
+                <a:solidFill>
+                  <a:schemeClr val="lt1"/>
+                </a:solidFill>
+                <a:latin typeface="+mn-lt"/>
+                <a:ea typeface="+mn-ea"/>
+                <a:cs typeface="+mn-cs"/>
+              </a:defRPr>
+            </a:lvl7pPr>
+            <a:lvl8pPr marL="3200400" algn="l" defTabSz="914400" rtl="0" eaLnBrk="1" latinLnBrk="0" hangingPunct="1">
+              <a:defRPr sz="1800" kern="1200">
+                <a:solidFill>
+                  <a:schemeClr val="lt1"/>
+                </a:solidFill>
+                <a:latin typeface="+mn-lt"/>
+                <a:ea typeface="+mn-ea"/>
+                <a:cs typeface="+mn-cs"/>
+              </a:defRPr>
+            </a:lvl8pPr>
+            <a:lvl9pPr marL="3657600" algn="l" defTabSz="914400" rtl="0" eaLnBrk="1" latinLnBrk="0" hangingPunct="1">
+              <a:defRPr sz="1800" kern="1200">
+                <a:solidFill>
+                  <a:schemeClr val="lt1"/>
+                </a:solidFill>
+                <a:latin typeface="+mn-lt"/>
+                <a:ea typeface="+mn-ea"/>
+                <a:cs typeface="+mn-cs"/>
+              </a:defRPr>
+            </a:lvl9pPr>
+          </a:lstStyle>
+          <a:p>
+            <a:pPr algn="ctr"/>
+            <a:endParaRPr lang="en-US"/>
+          </a:p>
+        </p:txBody>
+      </p:sp>
       <p:pic>
         <p:nvPicPr>
           <p:cNvPr id="2" name="Picture 1">
@@ -3003,16 +3165,44 @@
           </p:cNvPicPr>
           <p:nvPr/>
         </p:nvPicPr>
-        <p:blipFill>
+        <p:blipFill rotWithShape="1">
           <a:blip r:embed="rId2"/>
-          <a:stretch>
-            <a:fillRect/>
-          </a:stretch>
+          <a:srcRect r="1" b="5973"/>
+          <a:stretch/>
         </p:blipFill>
         <p:spPr>
           <a:xfrm>
-            <a:off x="218747" y="0"/>
-            <a:ext cx="2400300" cy="4381500"/>
+            <a:off x="192528" y="171716"/>
+            <a:ext cx="3793268" cy="6514565"/>
+          </a:xfrm>
+          <a:prstGeom prst="rect">
+            <a:avLst/>
+          </a:prstGeom>
+        </p:spPr>
+      </p:pic>
+      <p:pic>
+        <p:nvPicPr>
+          <p:cNvPr id="4" name="Picture 3">
+            <a:extLst>
+              <a:ext uri="{FF2B5EF4-FFF2-40B4-BE49-F238E27FC236}">
+                <a16:creationId xmlns:a16="http://schemas.microsoft.com/office/drawing/2014/main" id="{1FF2F8E4-CDF4-5ABB-42A4-E0E71048516C}"/>
+              </a:ext>
+            </a:extLst>
+          </p:cNvPr>
+          <p:cNvPicPr>
+            <a:picLocks noChangeAspect="1"/>
+          </p:cNvPicPr>
+          <p:nvPr/>
+        </p:nvPicPr>
+        <p:blipFill rotWithShape="1">
+          <a:blip r:embed="rId3"/>
+          <a:srcRect t="277" r="1" b="17076"/>
+          <a:stretch/>
+        </p:blipFill>
+        <p:spPr>
+          <a:xfrm>
+            <a:off x="4184538" y="171716"/>
+            <a:ext cx="3822924" cy="6514565"/>
           </a:xfrm>
           <a:prstGeom prst="rect">
             <a:avLst/>
@@ -3033,46 +3223,15 @@
           </p:cNvPicPr>
           <p:nvPr/>
         </p:nvPicPr>
-        <p:blipFill>
-          <a:blip r:embed="rId3"/>
-          <a:stretch>
-            <a:fillRect/>
-          </a:stretch>
+        <p:blipFill rotWithShape="1">
+          <a:blip r:embed="rId4"/>
+          <a:srcRect t="8413" b="5846"/>
+          <a:stretch/>
         </p:blipFill>
         <p:spPr>
           <a:xfrm>
-            <a:off x="2619047" y="1151530"/>
-            <a:ext cx="2400300" cy="4800600"/>
-          </a:xfrm>
-          <a:prstGeom prst="rect">
-            <a:avLst/>
-          </a:prstGeom>
-        </p:spPr>
-      </p:pic>
-      <p:pic>
-        <p:nvPicPr>
-          <p:cNvPr id="4" name="Picture 3">
-            <a:extLst>
-              <a:ext uri="{FF2B5EF4-FFF2-40B4-BE49-F238E27FC236}">
-                <a16:creationId xmlns:a16="http://schemas.microsoft.com/office/drawing/2014/main" id="{1FF2F8E4-CDF4-5ABB-42A4-E0E71048516C}"/>
-              </a:ext>
-            </a:extLst>
-          </p:cNvPr>
-          <p:cNvPicPr>
-            <a:picLocks noChangeAspect="1"/>
-          </p:cNvPicPr>
-          <p:nvPr/>
-        </p:nvPicPr>
-        <p:blipFill>
-          <a:blip r:embed="rId4"/>
-          <a:stretch>
-            <a:fillRect/>
-          </a:stretch>
-        </p:blipFill>
-        <p:spPr>
-          <a:xfrm>
-            <a:off x="5019347" y="229169"/>
-            <a:ext cx="2400300" cy="4953000"/>
+            <a:off x="8188032" y="171716"/>
+            <a:ext cx="3799007" cy="6514565"/>
           </a:xfrm>
           <a:prstGeom prst="rect">
             <a:avLst/>
